--- a/03. (FRA) BTC Software Programs - Update.pptx
+++ b/03. (FRA) BTC Software Programs - Update.pptx
@@ -7950,6 +7950,13 @@
             </a:r>
           </a:p>
           <a:p>
+            <a:pPr lvl="0"/>
+            <a:r>
+              <a:rPr lang="en-US" dirty="0"/>
+              <a:t>Test cells</a:t>
+            </a:r>
+          </a:p>
+          <a:p>
             <a:pPr marL="0" indent="0">
               <a:buNone/>
             </a:pPr>
@@ -8116,7 +8123,7 @@
           <a:p>
             <a:r>
               <a:rPr lang="en-US" dirty="0"/>
-              <a:t>Primary Test Process Overview</a:t>
+              <a:t>Primary Test Matrix</a:t>
             </a:r>
           </a:p>
         </p:txBody>
@@ -10678,34 +10685,6 @@
 </file>
 
 <file path=customXml/item1.xml><?xml version="1.0" encoding="utf-8"?>
-<p:properties xmlns:p="http://schemas.microsoft.com/office/2006/metadata/properties" xmlns:xsi="http://www.w3.org/2001/XMLSchema-instance" xmlns:pc="http://schemas.microsoft.com/office/infopath/2007/PartnerControls">
-  <documentManagement>
-    <_DCDateModified xmlns="http://schemas.microsoft.com/sharepoint/v3/fields" xsi:nil="true"/>
-    <_dlc_DocId xmlns="d99cf038-f28a-4291-a3c7-972d9b5aa724">RYAFUTPNFXMN-12-15649</_dlc_DocId>
-    <_DCDateCreated xmlns="http://schemas.microsoft.com/sharepoint/v3/fields" xsi:nil="true"/>
-    <_dlc_DocIdUrl xmlns="d99cf038-f28a-4291-a3c7-972d9b5aa724">
-      <Url>https://www.btctechmd.com/_layouts/DocIdRedir.aspx?ID=RYAFUTPNFXMN-12-15649</Url>
-      <Description>RYAFUTPNFXMN-12-15649</Description>
-    </_dlc_DocIdUrl>
-    <Final_x0020_Review xmlns="d99cf038-f28a-4291-a3c7-972d9b5aa724">
-      <UserInfo>
-        <DisplayName>Sarin Kunnath</DisplayName>
-        <AccountId>43</AccountId>
-        <AccountType/>
-      </UserInfo>
-    </Final_x0020_Review>
-    <_x0031_st_x0020_Review xmlns="d99cf038-f28a-4291-a3c7-972d9b5aa724">
-      <UserInfo>
-        <DisplayName>Mark Mangieri</DisplayName>
-        <AccountId>37</AccountId>
-        <AccountType/>
-      </UserInfo>
-    </_x0031_st_x0020_Review>
-  </documentManagement>
-</p:properties>
-</file>
-
-<file path=customXml/item2.xml><?xml version="1.0" encoding="utf-8"?>
 <ct:contentTypeSchema xmlns:ct="http://schemas.microsoft.com/office/2006/metadata/contentType" xmlns:ma="http://schemas.microsoft.com/office/2006/metadata/properties/metaAttributes" ct:_="" ma:_="" ma:contentTypeName="Document" ma:contentTypeID="0x010100BE6A642732B52444BF3FE78960D2D3EE" ma:contentTypeVersion="45" ma:contentTypeDescription="Create a new document." ma:contentTypeScope="" ma:versionID="85db78e03fe21406389cfc7fc153ab03">
   <xsd:schema xmlns:xsd="http://www.w3.org/2001/XMLSchema" xmlns:xs="http://www.w3.org/2001/XMLSchema" xmlns:p="http://schemas.microsoft.com/office/2006/metadata/properties" xmlns:ns2="http://schemas.microsoft.com/sharepoint/v3/fields" xmlns:ns3="d99cf038-f28a-4291-a3c7-972d9b5aa724" targetNamespace="http://schemas.microsoft.com/office/2006/metadata/properties" ma:root="true" ma:fieldsID="1d1c347bafa6a512164f731841ff19bf" ns2:_="" ns3:_="">
     <xsd:import namespace="http://schemas.microsoft.com/sharepoint/v3/fields"/>
@@ -10907,7 +10886,44 @@
 </ct:contentTypeSchema>
 </file>
 
+<file path=customXml/item2.xml><?xml version="1.0" encoding="utf-8"?>
+<p:properties xmlns:p="http://schemas.microsoft.com/office/2006/metadata/properties" xmlns:xsi="http://www.w3.org/2001/XMLSchema-instance" xmlns:pc="http://schemas.microsoft.com/office/infopath/2007/PartnerControls">
+  <documentManagement>
+    <_DCDateModified xmlns="http://schemas.microsoft.com/sharepoint/v3/fields" xsi:nil="true"/>
+    <_dlc_DocId xmlns="d99cf038-f28a-4291-a3c7-972d9b5aa724">RYAFUTPNFXMN-12-15649</_dlc_DocId>
+    <_DCDateCreated xmlns="http://schemas.microsoft.com/sharepoint/v3/fields" xsi:nil="true"/>
+    <_dlc_DocIdUrl xmlns="d99cf038-f28a-4291-a3c7-972d9b5aa724">
+      <Url>https://www.btctechmd.com/_layouts/DocIdRedir.aspx?ID=RYAFUTPNFXMN-12-15649</Url>
+      <Description>RYAFUTPNFXMN-12-15649</Description>
+    </_dlc_DocIdUrl>
+    <Final_x0020_Review xmlns="d99cf038-f28a-4291-a3c7-972d9b5aa724">
+      <UserInfo>
+        <DisplayName>Sarin Kunnath</DisplayName>
+        <AccountId>43</AccountId>
+        <AccountType/>
+      </UserInfo>
+    </Final_x0020_Review>
+    <_x0031_st_x0020_Review xmlns="d99cf038-f28a-4291-a3c7-972d9b5aa724">
+      <UserInfo>
+        <DisplayName>Mark Mangieri</DisplayName>
+        <AccountId>37</AccountId>
+        <AccountType/>
+      </UserInfo>
+    </_x0031_st_x0020_Review>
+  </documentManagement>
+</p:properties>
+</file>
+
 <file path=customXml/item3.xml><?xml version="1.0" encoding="utf-8"?>
+<?mso-contentType ?>
+<FormTemplates xmlns="http://schemas.microsoft.com/sharepoint/v3/contenttype/forms">
+  <Display>DocumentLibraryForm</Display>
+  <Edit>DocumentLibraryForm</Edit>
+  <New>DocumentLibraryForm</New>
+</FormTemplates>
+</file>
+
+<file path=customXml/item4.xml><?xml version="1.0" encoding="utf-8"?>
 <?mso-contentType ?>
 <spe:Receivers xmlns:spe="http://schemas.microsoft.com/sharepoint/events">
   <Receiver>
@@ -10953,33 +10969,7 @@
 </spe:Receivers>
 </file>
 
-<file path=customXml/item4.xml><?xml version="1.0" encoding="utf-8"?>
-<?mso-contentType ?>
-<FormTemplates xmlns="http://schemas.microsoft.com/sharepoint/v3/contenttype/forms">
-  <Display>DocumentLibraryForm</Display>
-  <Edit>DocumentLibraryForm</Edit>
-  <New>DocumentLibraryForm</New>
-</FormTemplates>
-</file>
-
 <file path=customXml/itemProps1.xml><?xml version="1.0" encoding="utf-8"?>
-<ds:datastoreItem xmlns:ds="http://schemas.openxmlformats.org/officeDocument/2006/customXml" ds:itemID="{140978BE-EF1D-471F-9D60-9BA466463938}">
-  <ds:schemaRefs>
-    <ds:schemaRef ds:uri="http://purl.org/dc/dcmitype/"/>
-    <ds:schemaRef ds:uri="http://schemas.microsoft.com/office/infopath/2007/PartnerControls"/>
-    <ds:schemaRef ds:uri="http://purl.org/dc/elements/1.1/"/>
-    <ds:schemaRef ds:uri="http://schemas.microsoft.com/office/2006/metadata/properties"/>
-    <ds:schemaRef ds:uri="d99cf038-f28a-4291-a3c7-972d9b5aa724"/>
-    <ds:schemaRef ds:uri="http://schemas.microsoft.com/office/2006/documentManagement/types"/>
-    <ds:schemaRef ds:uri="http://schemas.openxmlformats.org/package/2006/metadata/core-properties"/>
-    <ds:schemaRef ds:uri="http://schemas.microsoft.com/sharepoint/v3/fields"/>
-    <ds:schemaRef ds:uri="http://www.w3.org/XML/1998/namespace"/>
-    <ds:schemaRef ds:uri="http://purl.org/dc/terms/"/>
-  </ds:schemaRefs>
-</ds:datastoreItem>
-</file>
-
-<file path=customXml/itemProps2.xml><?xml version="1.0" encoding="utf-8"?>
 <ds:datastoreItem xmlns:ds="http://schemas.openxmlformats.org/officeDocument/2006/customXml" ds:itemID="{973AAF3C-884D-42A7-850E-03E56467046B}">
   <ds:schemaRefs>
     <ds:schemaRef ds:uri="http://schemas.microsoft.com/office/2006/metadata/contentType"/>
@@ -10998,18 +10988,35 @@
 </ds:datastoreItem>
 </file>
 
+<file path=customXml/itemProps2.xml><?xml version="1.0" encoding="utf-8"?>
+<ds:datastoreItem xmlns:ds="http://schemas.openxmlformats.org/officeDocument/2006/customXml" ds:itemID="{140978BE-EF1D-471F-9D60-9BA466463938}">
+  <ds:schemaRefs>
+    <ds:schemaRef ds:uri="http://purl.org/dc/dcmitype/"/>
+    <ds:schemaRef ds:uri="http://schemas.microsoft.com/office/infopath/2007/PartnerControls"/>
+    <ds:schemaRef ds:uri="http://purl.org/dc/elements/1.1/"/>
+    <ds:schemaRef ds:uri="http://schemas.microsoft.com/office/2006/metadata/properties"/>
+    <ds:schemaRef ds:uri="d99cf038-f28a-4291-a3c7-972d9b5aa724"/>
+    <ds:schemaRef ds:uri="http://schemas.microsoft.com/office/2006/documentManagement/types"/>
+    <ds:schemaRef ds:uri="http://schemas.openxmlformats.org/package/2006/metadata/core-properties"/>
+    <ds:schemaRef ds:uri="http://schemas.microsoft.com/sharepoint/v3/fields"/>
+    <ds:schemaRef ds:uri="http://www.w3.org/XML/1998/namespace"/>
+    <ds:schemaRef ds:uri="http://purl.org/dc/terms/"/>
+  </ds:schemaRefs>
+</ds:datastoreItem>
+</file>
+
 <file path=customXml/itemProps3.xml><?xml version="1.0" encoding="utf-8"?>
+<ds:datastoreItem xmlns:ds="http://schemas.openxmlformats.org/officeDocument/2006/customXml" ds:itemID="{1E3B7679-10DA-4107-81AA-ACEAF43C4BC4}">
+  <ds:schemaRefs>
+    <ds:schemaRef ds:uri="http://schemas.microsoft.com/sharepoint/v3/contenttype/forms"/>
+  </ds:schemaRefs>
+</ds:datastoreItem>
+</file>
+
+<file path=customXml/itemProps4.xml><?xml version="1.0" encoding="utf-8"?>
 <ds:datastoreItem xmlns:ds="http://schemas.openxmlformats.org/officeDocument/2006/customXml" ds:itemID="{EC0EA8D5-CFE3-48A7-9549-5E8304CCA9A1}">
   <ds:schemaRefs>
     <ds:schemaRef ds:uri="http://schemas.microsoft.com/sharepoint/events"/>
   </ds:schemaRefs>
 </ds:datastoreItem>
-</file>
-
-<file path=customXml/itemProps4.xml><?xml version="1.0" encoding="utf-8"?>
-<ds:datastoreItem xmlns:ds="http://schemas.openxmlformats.org/officeDocument/2006/customXml" ds:itemID="{1E3B7679-10DA-4107-81AA-ACEAF43C4BC4}">
-  <ds:schemaRefs>
-    <ds:schemaRef ds:uri="http://schemas.microsoft.com/sharepoint/v3/contenttype/forms"/>
-  </ds:schemaRefs>
-</ds:datastoreItem>
 </file>